--- a/Equip_B/results/ppt sprint1 FINANCES.pptx
+++ b/Equip_B/results/ppt sprint1 FINANCES.pptx
@@ -5,7 +5,12 @@
     <p:sldMasterId id="2147483648" r:id="rId1"/>
   </p:sldMasterIdLst>
   <p:sldIdLst>
-    <p:sldId id="256" r:id="rId2"/>
+    <p:sldId id="262" r:id="rId2"/>
+    <p:sldId id="257" r:id="rId3"/>
+    <p:sldId id="259" r:id="rId4"/>
+    <p:sldId id="260" r:id="rId5"/>
+    <p:sldId id="256" r:id="rId6"/>
+    <p:sldId id="263" r:id="rId7"/>
   </p:sldIdLst>
   <p:sldSz cx="12192000" cy="6858000"/>
   <p:notesSz cx="6858000" cy="9144000"/>
@@ -3312,6 +3317,1165 @@
 <file path=ppt/slides/slide1.xml><?xml version="1.0" encoding="utf-8"?>
 <p:sld xmlns:a="http://schemas.openxmlformats.org/drawingml/2006/main" xmlns:r="http://schemas.openxmlformats.org/officeDocument/2006/relationships" xmlns:p="http://schemas.openxmlformats.org/presentationml/2006/main">
   <p:cSld>
+    <p:bg>
+      <p:bgPr>
+        <a:solidFill>
+          <a:schemeClr val="bg1"/>
+        </a:solidFill>
+        <a:effectLst/>
+      </p:bgPr>
+    </p:bg>
+    <p:spTree>
+      <p:nvGrpSpPr>
+        <p:cNvPr id="1" name=""/>
+        <p:cNvGrpSpPr/>
+        <p:nvPr/>
+      </p:nvGrpSpPr>
+      <p:grpSpPr>
+        <a:xfrm>
+          <a:off x="0" y="0"/>
+          <a:ext cx="0" cy="0"/>
+          <a:chOff x="0" y="0"/>
+          <a:chExt cx="0" cy="0"/>
+        </a:xfrm>
+      </p:grpSpPr>
+      <p:sp useBgFill="1">
+        <p:nvSpPr>
+          <p:cNvPr id="9" name="Slide Background">
+            <a:extLst>
+              <a:ext uri="{FF2B5EF4-FFF2-40B4-BE49-F238E27FC236}">
+                <a16:creationId xmlns:a16="http://schemas.microsoft.com/office/drawing/2014/main" id="{C0763A76-9F1C-4FC5-82B7-DD475DA461B2}"/>
+              </a:ext>
+              <a:ext uri="{C183D7F6-B498-43B3-948B-1728B52AA6E4}">
+                <adec:decorative xmlns:adec="http://schemas.microsoft.com/office/drawing/2017/decorative" val="1"/>
+              </a:ext>
+            </a:extLst>
+          </p:cNvPr>
+          <p:cNvSpPr>
+            <a:spLocks noGrp="1" noRot="1" noChangeAspect="1" noMove="1" noResize="1" noEditPoints="1" noAdjustHandles="1" noChangeArrowheads="1" noChangeShapeType="1" noTextEdit="1"/>
+          </p:cNvSpPr>
+          <p:nvPr>
+            <p:extLst>
+              <p:ext uri="{386F3935-93C4-4BCD-93E2-E3B085C9AB24}">
+                <p16:designElem xmlns:p16="http://schemas.microsoft.com/office/powerpoint/2015/main" val="1"/>
+              </p:ext>
+            </p:extLst>
+          </p:nvPr>
+        </p:nvSpPr>
+        <p:spPr bwMode="white">
+          <a:xfrm>
+            <a:off x="-1" y="0"/>
+            <a:ext cx="12191999" cy="6858000"/>
+          </a:xfrm>
+          <a:prstGeom prst="rect">
+            <a:avLst/>
+          </a:prstGeom>
+          <a:ln>
+            <a:noFill/>
+          </a:ln>
+        </p:spPr>
+        <p:style>
+          <a:lnRef idx="2">
+            <a:schemeClr val="accent1">
+              <a:shade val="50000"/>
+            </a:schemeClr>
+          </a:lnRef>
+          <a:fillRef idx="1">
+            <a:schemeClr val="accent1"/>
+          </a:fillRef>
+          <a:effectRef idx="0">
+            <a:schemeClr val="accent1"/>
+          </a:effectRef>
+          <a:fontRef idx="minor">
+            <a:schemeClr val="lt1"/>
+          </a:fontRef>
+        </p:style>
+        <p:txBody>
+          <a:bodyPr rtlCol="0" anchor="ctr"/>
+          <a:lstStyle>
+            <a:defPPr>
+              <a:defRPr lang="en-US"/>
+            </a:defPPr>
+            <a:lvl1pPr marL="0" algn="l" defTabSz="914400" rtl="0" eaLnBrk="1" latinLnBrk="0" hangingPunct="1">
+              <a:defRPr sz="1800" kern="1200">
+                <a:solidFill>
+                  <a:schemeClr val="lt1"/>
+                </a:solidFill>
+                <a:latin typeface="+mn-lt"/>
+                <a:ea typeface="+mn-ea"/>
+                <a:cs typeface="+mn-cs"/>
+              </a:defRPr>
+            </a:lvl1pPr>
+            <a:lvl2pPr marL="457200" algn="l" defTabSz="914400" rtl="0" eaLnBrk="1" latinLnBrk="0" hangingPunct="1">
+              <a:defRPr sz="1800" kern="1200">
+                <a:solidFill>
+                  <a:schemeClr val="lt1"/>
+                </a:solidFill>
+                <a:latin typeface="+mn-lt"/>
+                <a:ea typeface="+mn-ea"/>
+                <a:cs typeface="+mn-cs"/>
+              </a:defRPr>
+            </a:lvl2pPr>
+            <a:lvl3pPr marL="914400" algn="l" defTabSz="914400" rtl="0" eaLnBrk="1" latinLnBrk="0" hangingPunct="1">
+              <a:defRPr sz="1800" kern="1200">
+                <a:solidFill>
+                  <a:schemeClr val="lt1"/>
+                </a:solidFill>
+                <a:latin typeface="+mn-lt"/>
+                <a:ea typeface="+mn-ea"/>
+                <a:cs typeface="+mn-cs"/>
+              </a:defRPr>
+            </a:lvl3pPr>
+            <a:lvl4pPr marL="1371600" algn="l" defTabSz="914400" rtl="0" eaLnBrk="1" latinLnBrk="0" hangingPunct="1">
+              <a:defRPr sz="1800" kern="1200">
+                <a:solidFill>
+                  <a:schemeClr val="lt1"/>
+                </a:solidFill>
+                <a:latin typeface="+mn-lt"/>
+                <a:ea typeface="+mn-ea"/>
+                <a:cs typeface="+mn-cs"/>
+              </a:defRPr>
+            </a:lvl4pPr>
+            <a:lvl5pPr marL="1828800" algn="l" defTabSz="914400" rtl="0" eaLnBrk="1" latinLnBrk="0" hangingPunct="1">
+              <a:defRPr sz="1800" kern="1200">
+                <a:solidFill>
+                  <a:schemeClr val="lt1"/>
+                </a:solidFill>
+                <a:latin typeface="+mn-lt"/>
+                <a:ea typeface="+mn-ea"/>
+                <a:cs typeface="+mn-cs"/>
+              </a:defRPr>
+            </a:lvl5pPr>
+            <a:lvl6pPr marL="2286000" algn="l" defTabSz="914400" rtl="0" eaLnBrk="1" latinLnBrk="0" hangingPunct="1">
+              <a:defRPr sz="1800" kern="1200">
+                <a:solidFill>
+                  <a:schemeClr val="lt1"/>
+                </a:solidFill>
+                <a:latin typeface="+mn-lt"/>
+                <a:ea typeface="+mn-ea"/>
+                <a:cs typeface="+mn-cs"/>
+              </a:defRPr>
+            </a:lvl6pPr>
+            <a:lvl7pPr marL="2743200" algn="l" defTabSz="914400" rtl="0" eaLnBrk="1" latinLnBrk="0" hangingPunct="1">
+              <a:defRPr sz="1800" kern="1200">
+                <a:solidFill>
+                  <a:schemeClr val="lt1"/>
+                </a:solidFill>
+                <a:latin typeface="+mn-lt"/>
+                <a:ea typeface="+mn-ea"/>
+                <a:cs typeface="+mn-cs"/>
+              </a:defRPr>
+            </a:lvl7pPr>
+            <a:lvl8pPr marL="3200400" algn="l" defTabSz="914400" rtl="0" eaLnBrk="1" latinLnBrk="0" hangingPunct="1">
+              <a:defRPr sz="1800" kern="1200">
+                <a:solidFill>
+                  <a:schemeClr val="lt1"/>
+                </a:solidFill>
+                <a:latin typeface="+mn-lt"/>
+                <a:ea typeface="+mn-ea"/>
+                <a:cs typeface="+mn-cs"/>
+              </a:defRPr>
+            </a:lvl8pPr>
+            <a:lvl9pPr marL="3657600" algn="l" defTabSz="914400" rtl="0" eaLnBrk="1" latinLnBrk="0" hangingPunct="1">
+              <a:defRPr sz="1800" kern="1200">
+                <a:solidFill>
+                  <a:schemeClr val="lt1"/>
+                </a:solidFill>
+                <a:latin typeface="+mn-lt"/>
+                <a:ea typeface="+mn-ea"/>
+                <a:cs typeface="+mn-cs"/>
+              </a:defRPr>
+            </a:lvl9pPr>
+          </a:lstStyle>
+          <a:p>
+            <a:pPr algn="ctr"/>
+            <a:endParaRPr lang="en-US"/>
+          </a:p>
+        </p:txBody>
+      </p:sp>
+      <p:sp useBgFill="1">
+        <p:nvSpPr>
+          <p:cNvPr id="11" name="Rectangle 10">
+            <a:extLst>
+              <a:ext uri="{FF2B5EF4-FFF2-40B4-BE49-F238E27FC236}">
+                <a16:creationId xmlns:a16="http://schemas.microsoft.com/office/drawing/2014/main" id="{E81BF4F6-F2CF-4984-9D14-D6966D92F99F}"/>
+              </a:ext>
+              <a:ext uri="{C183D7F6-B498-43B3-948B-1728B52AA6E4}">
+                <adec:decorative xmlns:adec="http://schemas.microsoft.com/office/drawing/2017/decorative" val="1"/>
+              </a:ext>
+            </a:extLst>
+          </p:cNvPr>
+          <p:cNvSpPr>
+            <a:spLocks noGrp="1" noRot="1" noChangeAspect="1" noMove="1" noResize="1" noEditPoints="1" noAdjustHandles="1" noChangeArrowheads="1" noChangeShapeType="1" noTextEdit="1"/>
+          </p:cNvSpPr>
+          <p:nvPr>
+            <p:extLst>
+              <p:ext uri="{386F3935-93C4-4BCD-93E2-E3B085C9AB24}">
+                <p16:designElem xmlns:p16="http://schemas.microsoft.com/office/powerpoint/2015/main" val="1"/>
+              </p:ext>
+            </p:extLst>
+          </p:nvPr>
+        </p:nvSpPr>
+        <p:spPr>
+          <a:xfrm>
+            <a:off x="1" y="0"/>
+            <a:ext cx="8522446" cy="2285999"/>
+          </a:xfrm>
+          <a:prstGeom prst="rect">
+            <a:avLst/>
+          </a:prstGeom>
+          <a:ln>
+            <a:noFill/>
+          </a:ln>
+          <a:effectLst>
+            <a:outerShdw blurRad="596900" dist="304800" dir="7140000" sx="90000" sy="90000" algn="t" rotWithShape="0">
+              <a:srgbClr val="000000">
+                <a:alpha val="15000"/>
+              </a:srgbClr>
+            </a:outerShdw>
+          </a:effectLst>
+        </p:spPr>
+        <p:style>
+          <a:lnRef idx="2">
+            <a:schemeClr val="accent1">
+              <a:shade val="50000"/>
+            </a:schemeClr>
+          </a:lnRef>
+          <a:fillRef idx="1">
+            <a:schemeClr val="accent1"/>
+          </a:fillRef>
+          <a:effectRef idx="0">
+            <a:schemeClr val="accent1"/>
+          </a:effectRef>
+          <a:fontRef idx="minor">
+            <a:schemeClr val="lt1"/>
+          </a:fontRef>
+        </p:style>
+        <p:txBody>
+          <a:bodyPr rtlCol="0" anchor="ctr"/>
+          <a:lstStyle/>
+          <a:p>
+            <a:pPr algn="ctr"/>
+            <a:endParaRPr lang="en-US"/>
+          </a:p>
+        </p:txBody>
+      </p:sp>
+      <p:sp>
+        <p:nvSpPr>
+          <p:cNvPr id="2" name="Títol 1">
+            <a:extLst>
+              <a:ext uri="{FF2B5EF4-FFF2-40B4-BE49-F238E27FC236}">
+                <a16:creationId xmlns:a16="http://schemas.microsoft.com/office/drawing/2014/main" id="{96C0BBFA-C8AF-4EF1-3A1F-B7F6EF8EC7D5}"/>
+              </a:ext>
+            </a:extLst>
+          </p:cNvPr>
+          <p:cNvSpPr>
+            <a:spLocks noGrp="1"/>
+          </p:cNvSpPr>
+          <p:nvPr>
+            <p:ph type="title"/>
+          </p:nvPr>
+        </p:nvSpPr>
+        <p:spPr>
+          <a:xfrm>
+            <a:off x="761803" y="350196"/>
+            <a:ext cx="4646904" cy="1624520"/>
+          </a:xfrm>
+        </p:spPr>
+        <p:txBody>
+          <a:bodyPr anchor="ctr">
+            <a:normAutofit/>
+          </a:bodyPr>
+          <a:lstStyle/>
+          <a:p>
+            <a:pPr algn="ctr"/>
+            <a:r>
+              <a:rPr lang="ca-ES" sz="3100" dirty="0">
+                <a:latin typeface="Consolas" panose="020B0609020204030204" pitchFamily="49" charset="0"/>
+              </a:rPr>
+              <a:t>ANÁLISIS FINANCIERO Y </a:t>
+            </a:r>
+            <a:br>
+              <a:rPr lang="ca-ES" sz="3100" dirty="0">
+                <a:latin typeface="Consolas" panose="020B0609020204030204" pitchFamily="49" charset="0"/>
+              </a:rPr>
+            </a:br>
+            <a:r>
+              <a:rPr lang="ca-ES" sz="3100" dirty="0">
+                <a:latin typeface="Consolas" panose="020B0609020204030204" pitchFamily="49" charset="0"/>
+              </a:rPr>
+              <a:t>DE RIESGO CREDITICIO</a:t>
+            </a:r>
+          </a:p>
+        </p:txBody>
+      </p:sp>
+      <p:sp>
+        <p:nvSpPr>
+          <p:cNvPr id="3" name="Contenidor de contingut 2">
+            <a:extLst>
+              <a:ext uri="{FF2B5EF4-FFF2-40B4-BE49-F238E27FC236}">
+                <a16:creationId xmlns:a16="http://schemas.microsoft.com/office/drawing/2014/main" id="{4582C23B-AA38-910D-B859-459340713AFF}"/>
+              </a:ext>
+            </a:extLst>
+          </p:cNvPr>
+          <p:cNvSpPr>
+            <a:spLocks noGrp="1"/>
+          </p:cNvSpPr>
+          <p:nvPr>
+            <p:ph idx="1"/>
+          </p:nvPr>
+        </p:nvSpPr>
+        <p:spPr>
+          <a:xfrm>
+            <a:off x="761802" y="2743200"/>
+            <a:ext cx="4646905" cy="3613149"/>
+          </a:xfrm>
+        </p:spPr>
+        <p:txBody>
+          <a:bodyPr anchor="ctr">
+            <a:normAutofit/>
+          </a:bodyPr>
+          <a:lstStyle/>
+          <a:p>
+            <a:r>
+              <a:rPr lang="es-ES" sz="2000" dirty="0"/>
+              <a:t>¿En qué medida los clientes con saldos menores están en mayor riesgo de incumplimiento de Crédito?</a:t>
+            </a:r>
+          </a:p>
+          <a:p>
+            <a:r>
+              <a:rPr lang="es-ES" sz="2000" dirty="0"/>
+              <a:t>¿Como debemos ajustar nuestras políticas de crédito para mitigar este riesgo?</a:t>
+            </a:r>
+          </a:p>
+        </p:txBody>
+      </p:sp>
+      <p:pic>
+        <p:nvPicPr>
+          <p:cNvPr id="5" name="Picture 4" descr="Imatge que conté persona, roba, vestit, Telèfon mòbil&#10;&#10;Descripció generada automàticament">
+            <a:extLst>
+              <a:ext uri="{FF2B5EF4-FFF2-40B4-BE49-F238E27FC236}">
+                <a16:creationId xmlns:a16="http://schemas.microsoft.com/office/drawing/2014/main" id="{27D3FBB8-83C4-5D4D-4124-075913028214}"/>
+              </a:ext>
+            </a:extLst>
+          </p:cNvPr>
+          <p:cNvPicPr>
+            <a:picLocks noChangeAspect="1"/>
+          </p:cNvPicPr>
+          <p:nvPr/>
+        </p:nvPicPr>
+        <p:blipFill>
+          <a:blip r:embed="rId2"/>
+          <a:srcRect l="13993" r="35951"/>
+          <a:stretch/>
+        </p:blipFill>
+        <p:spPr>
+          <a:xfrm>
+            <a:off x="6096000" y="1"/>
+            <a:ext cx="6102825" cy="6858000"/>
+          </a:xfrm>
+          <a:prstGeom prst="rect">
+            <a:avLst/>
+          </a:prstGeom>
+        </p:spPr>
+      </p:pic>
+    </p:spTree>
+    <p:extLst>
+      <p:ext uri="{BB962C8B-B14F-4D97-AF65-F5344CB8AC3E}">
+        <p14:creationId xmlns:p14="http://schemas.microsoft.com/office/powerpoint/2010/main" val="1876163553"/>
+      </p:ext>
+    </p:extLst>
+  </p:cSld>
+  <p:clrMapOvr>
+    <a:masterClrMapping/>
+  </p:clrMapOvr>
+</p:sld>
+</file>
+
+<file path=ppt/slides/slide2.xml><?xml version="1.0" encoding="utf-8"?>
+<p:sld xmlns:a="http://schemas.openxmlformats.org/drawingml/2006/main" xmlns:r="http://schemas.openxmlformats.org/officeDocument/2006/relationships" xmlns:p="http://schemas.openxmlformats.org/presentationml/2006/main">
+  <p:cSld>
+    <p:spTree>
+      <p:nvGrpSpPr>
+        <p:cNvPr id="1" name=""/>
+        <p:cNvGrpSpPr/>
+        <p:nvPr/>
+      </p:nvGrpSpPr>
+      <p:grpSpPr>
+        <a:xfrm>
+          <a:off x="0" y="0"/>
+          <a:ext cx="0" cy="0"/>
+          <a:chOff x="0" y="0"/>
+          <a:chExt cx="0" cy="0"/>
+        </a:xfrm>
+      </p:grpSpPr>
+      <p:sp>
+        <p:nvSpPr>
+          <p:cNvPr id="5" name="QuadreDeText 4">
+            <a:extLst>
+              <a:ext uri="{FF2B5EF4-FFF2-40B4-BE49-F238E27FC236}">
+                <a16:creationId xmlns:a16="http://schemas.microsoft.com/office/drawing/2014/main" id="{481BCC26-92A2-20C9-7116-B74A8293C4B2}"/>
+              </a:ext>
+            </a:extLst>
+          </p:cNvPr>
+          <p:cNvSpPr txBox="1"/>
+          <p:nvPr/>
+        </p:nvSpPr>
+        <p:spPr>
+          <a:xfrm>
+            <a:off x="1280159" y="405537"/>
+            <a:ext cx="9576263" cy="677108"/>
+          </a:xfrm>
+          <a:prstGeom prst="rect">
+            <a:avLst/>
+          </a:prstGeom>
+          <a:noFill/>
+        </p:spPr>
+        <p:txBody>
+          <a:bodyPr wrap="square">
+            <a:spAutoFit/>
+          </a:bodyPr>
+          <a:lstStyle/>
+          <a:p>
+            <a:pPr algn="ctr"/>
+            <a:r>
+              <a:rPr lang="es-ES" sz="2400" b="1">
+                <a:solidFill>
+                  <a:srgbClr val="569CD6"/>
+                </a:solidFill>
+                <a:latin typeface="Consolas" panose="020B0609020204030204" pitchFamily="49" charset="0"/>
+              </a:rPr>
+              <a:t>1</a:t>
+            </a:r>
+            <a:r>
+              <a:rPr lang="es-ES" sz="2400" b="1">
+                <a:solidFill>
+                  <a:srgbClr val="569CD6"/>
+                </a:solidFill>
+                <a:effectLst/>
+                <a:latin typeface="Consolas" panose="020B0609020204030204" pitchFamily="49" charset="0"/>
+              </a:rPr>
+              <a:t>. EDA: ANÁLISIS EXPLORATÓRIO.</a:t>
+            </a:r>
+          </a:p>
+          <a:p>
+            <a:pPr algn="ctr"/>
+            <a:r>
+              <a:rPr lang="es-ES" sz="1400" b="1">
+                <a:solidFill>
+                  <a:srgbClr val="569CD6"/>
+                </a:solidFill>
+                <a:latin typeface="Consolas" panose="020B0609020204030204" pitchFamily="49" charset="0"/>
+              </a:rPr>
+              <a:t>Examinamos las variables balance y faltante</a:t>
+            </a:r>
+            <a:endParaRPr lang="es-ES" sz="1400" b="0" dirty="0">
+              <a:solidFill>
+                <a:srgbClr val="CCCCCC"/>
+              </a:solidFill>
+              <a:effectLst/>
+              <a:latin typeface="Consolas" panose="020B0609020204030204" pitchFamily="49" charset="0"/>
+            </a:endParaRPr>
+          </a:p>
+        </p:txBody>
+      </p:sp>
+      <p:pic>
+        <p:nvPicPr>
+          <p:cNvPr id="7" name="Imatge 6">
+            <a:extLst>
+              <a:ext uri="{FF2B5EF4-FFF2-40B4-BE49-F238E27FC236}">
+                <a16:creationId xmlns:a16="http://schemas.microsoft.com/office/drawing/2014/main" id="{5E688095-876F-3A0C-A5BA-853750B22806}"/>
+              </a:ext>
+            </a:extLst>
+          </p:cNvPr>
+          <p:cNvPicPr>
+            <a:picLocks noChangeAspect="1"/>
+          </p:cNvPicPr>
+          <p:nvPr/>
+        </p:nvPicPr>
+        <p:blipFill>
+          <a:blip r:embed="rId2"/>
+          <a:stretch>
+            <a:fillRect/>
+          </a:stretch>
+        </p:blipFill>
+        <p:spPr>
+          <a:xfrm>
+            <a:off x="803564" y="1340614"/>
+            <a:ext cx="2959331" cy="2582797"/>
+          </a:xfrm>
+          <a:prstGeom prst="rect">
+            <a:avLst/>
+          </a:prstGeom>
+        </p:spPr>
+      </p:pic>
+      <p:pic>
+        <p:nvPicPr>
+          <p:cNvPr id="13" name="Imatge 12">
+            <a:extLst>
+              <a:ext uri="{FF2B5EF4-FFF2-40B4-BE49-F238E27FC236}">
+                <a16:creationId xmlns:a16="http://schemas.microsoft.com/office/drawing/2014/main" id="{10303873-7468-9A20-4D1F-166269A9E0F9}"/>
+              </a:ext>
+            </a:extLst>
+          </p:cNvPr>
+          <p:cNvPicPr>
+            <a:picLocks noChangeAspect="1"/>
+          </p:cNvPicPr>
+          <p:nvPr/>
+        </p:nvPicPr>
+        <p:blipFill>
+          <a:blip r:embed="rId3"/>
+          <a:stretch>
+            <a:fillRect/>
+          </a:stretch>
+        </p:blipFill>
+        <p:spPr>
+          <a:xfrm>
+            <a:off x="4608835" y="2582136"/>
+            <a:ext cx="6635952" cy="3037268"/>
+          </a:xfrm>
+          <a:prstGeom prst="rect">
+            <a:avLst/>
+          </a:prstGeom>
+        </p:spPr>
+      </p:pic>
+      <p:pic>
+        <p:nvPicPr>
+          <p:cNvPr id="15" name="Imatge 14">
+            <a:extLst>
+              <a:ext uri="{FF2B5EF4-FFF2-40B4-BE49-F238E27FC236}">
+                <a16:creationId xmlns:a16="http://schemas.microsoft.com/office/drawing/2014/main" id="{D10F5A6C-6345-9827-363F-6CBA61774E80}"/>
+              </a:ext>
+            </a:extLst>
+          </p:cNvPr>
+          <p:cNvPicPr>
+            <a:picLocks noChangeAspect="1"/>
+          </p:cNvPicPr>
+          <p:nvPr/>
+        </p:nvPicPr>
+        <p:blipFill>
+          <a:blip r:embed="rId4"/>
+          <a:stretch>
+            <a:fillRect/>
+          </a:stretch>
+        </p:blipFill>
+        <p:spPr>
+          <a:xfrm>
+            <a:off x="947213" y="3732696"/>
+            <a:ext cx="2815682" cy="2773512"/>
+          </a:xfrm>
+          <a:prstGeom prst="rect">
+            <a:avLst/>
+          </a:prstGeom>
+        </p:spPr>
+      </p:pic>
+    </p:spTree>
+    <p:extLst>
+      <p:ext uri="{BB962C8B-B14F-4D97-AF65-F5344CB8AC3E}">
+        <p14:creationId xmlns:p14="http://schemas.microsoft.com/office/powerpoint/2010/main" val="2830404781"/>
+      </p:ext>
+    </p:extLst>
+  </p:cSld>
+  <p:clrMapOvr>
+    <a:masterClrMapping/>
+  </p:clrMapOvr>
+</p:sld>
+</file>
+
+<file path=ppt/slides/slide3.xml><?xml version="1.0" encoding="utf-8"?>
+<p:sld xmlns:a="http://schemas.openxmlformats.org/drawingml/2006/main" xmlns:r="http://schemas.openxmlformats.org/officeDocument/2006/relationships" xmlns:p="http://schemas.openxmlformats.org/presentationml/2006/main">
+  <p:cSld>
+    <p:spTree>
+      <p:nvGrpSpPr>
+        <p:cNvPr id="1" name="">
+          <a:extLst>
+            <a:ext uri="{FF2B5EF4-FFF2-40B4-BE49-F238E27FC236}">
+              <a16:creationId xmlns:a16="http://schemas.microsoft.com/office/drawing/2014/main" id="{1FB55194-8A47-9B6B-770A-83307E5DBE13}"/>
+            </a:ext>
+          </a:extLst>
+        </p:cNvPr>
+        <p:cNvGrpSpPr/>
+        <p:nvPr/>
+      </p:nvGrpSpPr>
+      <p:grpSpPr>
+        <a:xfrm>
+          <a:off x="0" y="0"/>
+          <a:ext cx="0" cy="0"/>
+          <a:chOff x="0" y="0"/>
+          <a:chExt cx="0" cy="0"/>
+        </a:xfrm>
+      </p:grpSpPr>
+      <p:sp>
+        <p:nvSpPr>
+          <p:cNvPr id="4" name="QuadreDeText 3">
+            <a:extLst>
+              <a:ext uri="{FF2B5EF4-FFF2-40B4-BE49-F238E27FC236}">
+                <a16:creationId xmlns:a16="http://schemas.microsoft.com/office/drawing/2014/main" id="{E36E55D7-03BF-C8CA-C726-A10A8007E6B2}"/>
+              </a:ext>
+            </a:extLst>
+          </p:cNvPr>
+          <p:cNvSpPr txBox="1"/>
+          <p:nvPr/>
+        </p:nvSpPr>
+        <p:spPr>
+          <a:xfrm>
+            <a:off x="1280159" y="405537"/>
+            <a:ext cx="9576263" cy="677108"/>
+          </a:xfrm>
+          <a:prstGeom prst="rect">
+            <a:avLst/>
+          </a:prstGeom>
+          <a:noFill/>
+        </p:spPr>
+        <p:txBody>
+          <a:bodyPr wrap="square">
+            <a:spAutoFit/>
+          </a:bodyPr>
+          <a:lstStyle/>
+          <a:p>
+            <a:pPr algn="ctr"/>
+            <a:r>
+              <a:rPr lang="es-ES" sz="2400" b="1" dirty="0">
+                <a:solidFill>
+                  <a:srgbClr val="569CD6"/>
+                </a:solidFill>
+                <a:effectLst/>
+                <a:latin typeface="Consolas" panose="020B0609020204030204" pitchFamily="49" charset="0"/>
+              </a:rPr>
+              <a:t>2. TRATAMIENTO DE OUTLIERS</a:t>
+            </a:r>
+          </a:p>
+          <a:p>
+            <a:pPr algn="ctr"/>
+            <a:r>
+              <a:rPr lang="es-ES" sz="1400" b="1" dirty="0">
+                <a:solidFill>
+                  <a:srgbClr val="569CD6"/>
+                </a:solidFill>
+                <a:latin typeface="Consolas" panose="020B0609020204030204" pitchFamily="49" charset="0"/>
+              </a:rPr>
+              <a:t>Detectamos un 9,45% </a:t>
+            </a:r>
+            <a:r>
+              <a:rPr lang="es-ES" sz="1400" b="1" dirty="0" err="1">
+                <a:solidFill>
+                  <a:srgbClr val="569CD6"/>
+                </a:solidFill>
+                <a:latin typeface="Consolas" panose="020B0609020204030204" pitchFamily="49" charset="0"/>
+              </a:rPr>
+              <a:t>outliers</a:t>
+            </a:r>
+            <a:r>
+              <a:rPr lang="es-ES" sz="1400" b="1" dirty="0">
+                <a:solidFill>
+                  <a:srgbClr val="569CD6"/>
+                </a:solidFill>
+                <a:latin typeface="Consolas" panose="020B0609020204030204" pitchFamily="49" charset="0"/>
+              </a:rPr>
+              <a:t> en ‘balance’ y diseñamos la estrategia para su tratamiento</a:t>
+            </a:r>
+            <a:endParaRPr lang="es-ES" sz="1400" b="0" dirty="0">
+              <a:solidFill>
+                <a:srgbClr val="CCCCCC"/>
+              </a:solidFill>
+              <a:effectLst/>
+              <a:latin typeface="Consolas" panose="020B0609020204030204" pitchFamily="49" charset="0"/>
+            </a:endParaRPr>
+          </a:p>
+        </p:txBody>
+      </p:sp>
+      <p:pic>
+        <p:nvPicPr>
+          <p:cNvPr id="11" name="Imatge 10">
+            <a:extLst>
+              <a:ext uri="{FF2B5EF4-FFF2-40B4-BE49-F238E27FC236}">
+                <a16:creationId xmlns:a16="http://schemas.microsoft.com/office/drawing/2014/main" id="{9B30B857-8B87-B54B-B91D-9E7F77DC9C21}"/>
+              </a:ext>
+            </a:extLst>
+          </p:cNvPr>
+          <p:cNvPicPr>
+            <a:picLocks noChangeAspect="1"/>
+          </p:cNvPicPr>
+          <p:nvPr/>
+        </p:nvPicPr>
+        <p:blipFill>
+          <a:blip r:embed="rId2"/>
+          <a:stretch>
+            <a:fillRect/>
+          </a:stretch>
+        </p:blipFill>
+        <p:spPr>
+          <a:xfrm>
+            <a:off x="709354" y="1431934"/>
+            <a:ext cx="4760421" cy="2347442"/>
+          </a:xfrm>
+          <a:prstGeom prst="rect">
+            <a:avLst/>
+          </a:prstGeom>
+        </p:spPr>
+      </p:pic>
+      <p:sp>
+        <p:nvSpPr>
+          <p:cNvPr id="5" name="QuadreDeText 4">
+            <a:extLst>
+              <a:ext uri="{FF2B5EF4-FFF2-40B4-BE49-F238E27FC236}">
+                <a16:creationId xmlns:a16="http://schemas.microsoft.com/office/drawing/2014/main" id="{203CA059-EFA5-91E5-1B5A-EB10B6F4E1B2}"/>
+              </a:ext>
+            </a:extLst>
+          </p:cNvPr>
+          <p:cNvSpPr txBox="1"/>
+          <p:nvPr/>
+        </p:nvSpPr>
+        <p:spPr>
+          <a:xfrm>
+            <a:off x="6096000" y="1431934"/>
+            <a:ext cx="5386646" cy="461665"/>
+          </a:xfrm>
+          <a:prstGeom prst="rect">
+            <a:avLst/>
+          </a:prstGeom>
+          <a:noFill/>
+        </p:spPr>
+        <p:txBody>
+          <a:bodyPr wrap="square" rtlCol="0">
+            <a:spAutoFit/>
+          </a:bodyPr>
+          <a:lstStyle/>
+          <a:p>
+            <a:r>
+              <a:rPr lang="es-ES" sz="1200" dirty="0"/>
+              <a:t>Realizamos la transformación logarítmica para tratar los </a:t>
+            </a:r>
+            <a:r>
+              <a:rPr lang="es-ES" sz="1200" dirty="0" err="1"/>
+              <a:t>outliers</a:t>
+            </a:r>
+            <a:r>
+              <a:rPr lang="es-ES" sz="1200" dirty="0"/>
+              <a:t> ya que es la más indicada para esta distribución.  </a:t>
+            </a:r>
+          </a:p>
+        </p:txBody>
+      </p:sp>
+      <p:pic>
+        <p:nvPicPr>
+          <p:cNvPr id="7" name="Imatge 6">
+            <a:extLst>
+              <a:ext uri="{FF2B5EF4-FFF2-40B4-BE49-F238E27FC236}">
+                <a16:creationId xmlns:a16="http://schemas.microsoft.com/office/drawing/2014/main" id="{E0DAB773-1C83-40FE-105F-1C9C74233CCB}"/>
+              </a:ext>
+            </a:extLst>
+          </p:cNvPr>
+          <p:cNvPicPr>
+            <a:picLocks noChangeAspect="1"/>
+          </p:cNvPicPr>
+          <p:nvPr/>
+        </p:nvPicPr>
+        <p:blipFill>
+          <a:blip r:embed="rId3"/>
+          <a:stretch>
+            <a:fillRect/>
+          </a:stretch>
+        </p:blipFill>
+        <p:spPr>
+          <a:xfrm>
+            <a:off x="5807564" y="2055338"/>
+            <a:ext cx="2758700" cy="1516317"/>
+          </a:xfrm>
+          <a:prstGeom prst="rect">
+            <a:avLst/>
+          </a:prstGeom>
+        </p:spPr>
+      </p:pic>
+      <p:pic>
+        <p:nvPicPr>
+          <p:cNvPr id="13" name="Imatge 12">
+            <a:extLst>
+              <a:ext uri="{FF2B5EF4-FFF2-40B4-BE49-F238E27FC236}">
+                <a16:creationId xmlns:a16="http://schemas.microsoft.com/office/drawing/2014/main" id="{90E79A80-488A-D71B-669E-486C7E70C9F6}"/>
+              </a:ext>
+            </a:extLst>
+          </p:cNvPr>
+          <p:cNvPicPr>
+            <a:picLocks noChangeAspect="1"/>
+          </p:cNvPicPr>
+          <p:nvPr/>
+        </p:nvPicPr>
+        <p:blipFill>
+          <a:blip r:embed="rId4"/>
+          <a:stretch>
+            <a:fillRect/>
+          </a:stretch>
+        </p:blipFill>
+        <p:spPr>
+          <a:xfrm>
+            <a:off x="8789323" y="2044567"/>
+            <a:ext cx="2758700" cy="1516317"/>
+          </a:xfrm>
+          <a:prstGeom prst="rect">
+            <a:avLst/>
+          </a:prstGeom>
+        </p:spPr>
+      </p:pic>
+      <p:sp>
+        <p:nvSpPr>
+          <p:cNvPr id="17" name="QuadreDeText 16">
+            <a:extLst>
+              <a:ext uri="{FF2B5EF4-FFF2-40B4-BE49-F238E27FC236}">
+                <a16:creationId xmlns:a16="http://schemas.microsoft.com/office/drawing/2014/main" id="{C6D30F8E-EC71-1CBB-0B23-D331F534E8A7}"/>
+              </a:ext>
+            </a:extLst>
+          </p:cNvPr>
+          <p:cNvSpPr txBox="1"/>
+          <p:nvPr/>
+        </p:nvSpPr>
+        <p:spPr>
+          <a:xfrm>
+            <a:off x="5807564" y="3675564"/>
+            <a:ext cx="6093228" cy="276999"/>
+          </a:xfrm>
+          <a:prstGeom prst="rect">
+            <a:avLst/>
+          </a:prstGeom>
+          <a:noFill/>
+        </p:spPr>
+        <p:txBody>
+          <a:bodyPr wrap="square">
+            <a:spAutoFit/>
+          </a:bodyPr>
+          <a:lstStyle/>
+          <a:p>
+            <a:r>
+              <a:rPr lang="es-ES" sz="1200" dirty="0"/>
+              <a:t>Constatamos que el tratamiento no altera apenas la distribución</a:t>
+            </a:r>
+          </a:p>
+        </p:txBody>
+      </p:sp>
+      <p:sp>
+        <p:nvSpPr>
+          <p:cNvPr id="19" name="QuadreDeText 18">
+            <a:extLst>
+              <a:ext uri="{FF2B5EF4-FFF2-40B4-BE49-F238E27FC236}">
+                <a16:creationId xmlns:a16="http://schemas.microsoft.com/office/drawing/2014/main" id="{A03ADF96-6ED5-755A-03A3-15FB9578CD92}"/>
+              </a:ext>
+            </a:extLst>
+          </p:cNvPr>
+          <p:cNvSpPr txBox="1"/>
+          <p:nvPr/>
+        </p:nvSpPr>
+        <p:spPr>
+          <a:xfrm>
+            <a:off x="1064028" y="5930852"/>
+            <a:ext cx="10008524" cy="461665"/>
+          </a:xfrm>
+          <a:prstGeom prst="rect">
+            <a:avLst/>
+          </a:prstGeom>
+          <a:noFill/>
+        </p:spPr>
+        <p:txBody>
+          <a:bodyPr wrap="square" rtlCol="0">
+            <a:spAutoFit/>
+          </a:bodyPr>
+          <a:lstStyle/>
+          <a:p>
+            <a:r>
+              <a:rPr lang="es-ES" sz="1200" dirty="0">
+                <a:latin typeface="Consolas" panose="020B0609020204030204" pitchFamily="49" charset="0"/>
+              </a:rPr>
+              <a:t>Comprobamos que las </a:t>
+            </a:r>
+            <a:r>
+              <a:rPr lang="es-ES" sz="1200" dirty="0" err="1">
+                <a:latin typeface="Consolas" panose="020B0609020204030204" pitchFamily="49" charset="0"/>
+              </a:rPr>
+              <a:t>categories</a:t>
+            </a:r>
+            <a:r>
+              <a:rPr lang="es-ES" sz="1200" dirty="0">
+                <a:latin typeface="Consolas" panose="020B0609020204030204" pitchFamily="49" charset="0"/>
+              </a:rPr>
+              <a:t> extremas se pueden </a:t>
+            </a:r>
+            <a:r>
+              <a:rPr lang="es-ES" sz="1200" dirty="0" err="1">
+                <a:latin typeface="Consolas" panose="020B0609020204030204" pitchFamily="49" charset="0"/>
+              </a:rPr>
+              <a:t>assimilar</a:t>
+            </a:r>
+            <a:r>
+              <a:rPr lang="es-ES" sz="1200" dirty="0">
+                <a:latin typeface="Consolas" panose="020B0609020204030204" pitchFamily="49" charset="0"/>
+              </a:rPr>
+              <a:t> a las contiguas sin variar los resultados. Por lo que centramos el análisis de la relación entre las variables en 4 categorías.</a:t>
+            </a:r>
+          </a:p>
+        </p:txBody>
+      </p:sp>
+      <p:pic>
+        <p:nvPicPr>
+          <p:cNvPr id="24" name="Imatge 23">
+            <a:extLst>
+              <a:ext uri="{FF2B5EF4-FFF2-40B4-BE49-F238E27FC236}">
+                <a16:creationId xmlns:a16="http://schemas.microsoft.com/office/drawing/2014/main" id="{72FF37ED-0149-70CD-3BCC-0228B02B5574}"/>
+              </a:ext>
+            </a:extLst>
+          </p:cNvPr>
+          <p:cNvPicPr>
+            <a:picLocks noChangeAspect="1"/>
+          </p:cNvPicPr>
+          <p:nvPr/>
+        </p:nvPicPr>
+        <p:blipFill>
+          <a:blip r:embed="rId5"/>
+          <a:stretch>
+            <a:fillRect/>
+          </a:stretch>
+        </p:blipFill>
+        <p:spPr>
+          <a:xfrm>
+            <a:off x="931025" y="4047279"/>
+            <a:ext cx="2804593" cy="1788858"/>
+          </a:xfrm>
+          <a:prstGeom prst="rect">
+            <a:avLst/>
+          </a:prstGeom>
+        </p:spPr>
+      </p:pic>
+    </p:spTree>
+    <p:extLst>
+      <p:ext uri="{BB962C8B-B14F-4D97-AF65-F5344CB8AC3E}">
+        <p14:creationId xmlns:p14="http://schemas.microsoft.com/office/powerpoint/2010/main" val="1516841673"/>
+      </p:ext>
+    </p:extLst>
+  </p:cSld>
+  <p:clrMapOvr>
+    <a:masterClrMapping/>
+  </p:clrMapOvr>
+</p:sld>
+</file>
+
+<file path=ppt/slides/slide4.xml><?xml version="1.0" encoding="utf-8"?>
+<p:sld xmlns:a="http://schemas.openxmlformats.org/drawingml/2006/main" xmlns:r="http://schemas.openxmlformats.org/officeDocument/2006/relationships" xmlns:p="http://schemas.openxmlformats.org/presentationml/2006/main">
+  <p:cSld>
+    <p:spTree>
+      <p:nvGrpSpPr>
+        <p:cNvPr id="1" name="">
+          <a:extLst>
+            <a:ext uri="{FF2B5EF4-FFF2-40B4-BE49-F238E27FC236}">
+              <a16:creationId xmlns:a16="http://schemas.microsoft.com/office/drawing/2014/main" id="{A57AAC6C-B020-EDEC-D5B9-0B26DAB8A2A7}"/>
+            </a:ext>
+          </a:extLst>
+        </p:cNvPr>
+        <p:cNvGrpSpPr/>
+        <p:nvPr/>
+      </p:nvGrpSpPr>
+      <p:grpSpPr>
+        <a:xfrm>
+          <a:off x="0" y="0"/>
+          <a:ext cx="0" cy="0"/>
+          <a:chOff x="0" y="0"/>
+          <a:chExt cx="0" cy="0"/>
+        </a:xfrm>
+      </p:grpSpPr>
+      <p:sp>
+        <p:nvSpPr>
+          <p:cNvPr id="2" name="QuadreDeText 1">
+            <a:extLst>
+              <a:ext uri="{FF2B5EF4-FFF2-40B4-BE49-F238E27FC236}">
+                <a16:creationId xmlns:a16="http://schemas.microsoft.com/office/drawing/2014/main" id="{816F13DC-9D32-3A6C-3B08-8D8D0A89632B}"/>
+              </a:ext>
+            </a:extLst>
+          </p:cNvPr>
+          <p:cNvSpPr txBox="1"/>
+          <p:nvPr/>
+        </p:nvSpPr>
+        <p:spPr>
+          <a:xfrm>
+            <a:off x="1280159" y="405537"/>
+            <a:ext cx="9576263" cy="677108"/>
+          </a:xfrm>
+          <a:prstGeom prst="rect">
+            <a:avLst/>
+          </a:prstGeom>
+          <a:noFill/>
+        </p:spPr>
+        <p:txBody>
+          <a:bodyPr wrap="square">
+            <a:spAutoFit/>
+          </a:bodyPr>
+          <a:lstStyle/>
+          <a:p>
+            <a:pPr algn="ctr"/>
+            <a:r>
+              <a:rPr lang="es-ES" sz="2400" b="1" dirty="0">
+                <a:solidFill>
+                  <a:srgbClr val="569CD6"/>
+                </a:solidFill>
+                <a:latin typeface="Consolas" panose="020B0609020204030204" pitchFamily="49" charset="0"/>
+              </a:rPr>
+              <a:t>3</a:t>
+            </a:r>
+            <a:r>
+              <a:rPr lang="es-ES" sz="2400" b="1" dirty="0">
+                <a:solidFill>
+                  <a:srgbClr val="569CD6"/>
+                </a:solidFill>
+                <a:effectLst/>
+                <a:latin typeface="Consolas" panose="020B0609020204030204" pitchFamily="49" charset="0"/>
+              </a:rPr>
+              <a:t>. RELACIÓN ENTRE LAS DOS VARIABLES</a:t>
+            </a:r>
+          </a:p>
+          <a:p>
+            <a:pPr algn="ctr"/>
+            <a:r>
+              <a:rPr lang="es-ES" sz="1400" b="1" dirty="0">
+                <a:solidFill>
+                  <a:srgbClr val="569CD6"/>
+                </a:solidFill>
+                <a:latin typeface="Consolas" panose="020B0609020204030204" pitchFamily="49" charset="0"/>
+              </a:rPr>
+              <a:t>Tras categorizar balance relacionamos las dos variables</a:t>
+            </a:r>
+            <a:endParaRPr lang="es-ES" sz="1400" b="0" dirty="0">
+              <a:solidFill>
+                <a:srgbClr val="CCCCCC"/>
+              </a:solidFill>
+              <a:effectLst/>
+              <a:latin typeface="Consolas" panose="020B0609020204030204" pitchFamily="49" charset="0"/>
+            </a:endParaRPr>
+          </a:p>
+        </p:txBody>
+      </p:sp>
+      <p:pic>
+        <p:nvPicPr>
+          <p:cNvPr id="4" name="Imatge 3">
+            <a:extLst>
+              <a:ext uri="{FF2B5EF4-FFF2-40B4-BE49-F238E27FC236}">
+                <a16:creationId xmlns:a16="http://schemas.microsoft.com/office/drawing/2014/main" id="{C4E3E2F4-DA71-5909-2E2C-B17325DEF05A}"/>
+              </a:ext>
+            </a:extLst>
+          </p:cNvPr>
+          <p:cNvPicPr>
+            <a:picLocks noChangeAspect="1"/>
+          </p:cNvPicPr>
+          <p:nvPr/>
+        </p:nvPicPr>
+        <p:blipFill>
+          <a:blip r:embed="rId2"/>
+          <a:stretch>
+            <a:fillRect/>
+          </a:stretch>
+        </p:blipFill>
+        <p:spPr>
+          <a:xfrm>
+            <a:off x="513744" y="1472218"/>
+            <a:ext cx="5185608" cy="3432290"/>
+          </a:xfrm>
+          <a:prstGeom prst="rect">
+            <a:avLst/>
+          </a:prstGeom>
+        </p:spPr>
+      </p:pic>
+      <p:pic>
+        <p:nvPicPr>
+          <p:cNvPr id="8" name="Imatge 7">
+            <a:extLst>
+              <a:ext uri="{FF2B5EF4-FFF2-40B4-BE49-F238E27FC236}">
+                <a16:creationId xmlns:a16="http://schemas.microsoft.com/office/drawing/2014/main" id="{93DEB71D-4890-E009-71D3-623B7AE9C6B9}"/>
+              </a:ext>
+            </a:extLst>
+          </p:cNvPr>
+          <p:cNvPicPr>
+            <a:picLocks noChangeAspect="1"/>
+          </p:cNvPicPr>
+          <p:nvPr/>
+        </p:nvPicPr>
+        <p:blipFill>
+          <a:blip r:embed="rId3"/>
+          <a:stretch>
+            <a:fillRect/>
+          </a:stretch>
+        </p:blipFill>
+        <p:spPr>
+          <a:xfrm>
+            <a:off x="6359645" y="1498898"/>
+            <a:ext cx="4796035" cy="3337592"/>
+          </a:xfrm>
+          <a:prstGeom prst="rect">
+            <a:avLst/>
+          </a:prstGeom>
+        </p:spPr>
+      </p:pic>
+      <p:sp>
+        <p:nvSpPr>
+          <p:cNvPr id="10" name="QuadreDeText 9">
+            <a:extLst>
+              <a:ext uri="{FF2B5EF4-FFF2-40B4-BE49-F238E27FC236}">
+                <a16:creationId xmlns:a16="http://schemas.microsoft.com/office/drawing/2014/main" id="{3A6145EF-83D6-F5A1-A621-0F4B1643137F}"/>
+              </a:ext>
+            </a:extLst>
+          </p:cNvPr>
+          <p:cNvSpPr txBox="1"/>
+          <p:nvPr/>
+        </p:nvSpPr>
+        <p:spPr>
+          <a:xfrm>
+            <a:off x="1280159" y="4975135"/>
+            <a:ext cx="9576263" cy="1200329"/>
+          </a:xfrm>
+          <a:prstGeom prst="rect">
+            <a:avLst/>
+          </a:prstGeom>
+          <a:noFill/>
+        </p:spPr>
+        <p:txBody>
+          <a:bodyPr wrap="square">
+            <a:spAutoFit/>
+          </a:bodyPr>
+          <a:lstStyle/>
+          <a:p>
+            <a:r>
+              <a:rPr lang="es-ES" b="1" dirty="0">
+                <a:effectLst/>
+                <a:latin typeface="Consolas" panose="020B0609020204030204" pitchFamily="49" charset="0"/>
+              </a:rPr>
+              <a:t>LA RELACIÓN ENTRE LAS DOS VARIABLES ES MUY CLARA. HAY UNA RELACIÓN INVERSA ENTRE EL BALANCE Y LA TASA DE INCUMPLIMIENTO DE CRÉDITO.</a:t>
+            </a:r>
+            <a:endParaRPr lang="es-ES" b="0" dirty="0">
+              <a:effectLst/>
+              <a:latin typeface="Consolas" panose="020B0609020204030204" pitchFamily="49" charset="0"/>
+            </a:endParaRPr>
+          </a:p>
+          <a:p>
+            <a:r>
+              <a:rPr lang="es-ES" b="0" dirty="0">
+                <a:effectLst/>
+                <a:latin typeface="Consolas" panose="020B0609020204030204" pitchFamily="49" charset="0"/>
+              </a:rPr>
+              <a:t>Cuanto menor es el balance mucho mayor es la tasa de incumplimiento de crédito.</a:t>
+            </a:r>
+          </a:p>
+        </p:txBody>
+      </p:sp>
+    </p:spTree>
+    <p:extLst>
+      <p:ext uri="{BB962C8B-B14F-4D97-AF65-F5344CB8AC3E}">
+        <p14:creationId xmlns:p14="http://schemas.microsoft.com/office/powerpoint/2010/main" val="1462470027"/>
+      </p:ext>
+    </p:extLst>
+  </p:cSld>
+  <p:clrMapOvr>
+    <a:masterClrMapping/>
+  </p:clrMapOvr>
+</p:sld>
+</file>
+
+<file path=ppt/slides/slide5.xml><?xml version="1.0" encoding="utf-8"?>
+<p:sld xmlns:a="http://schemas.openxmlformats.org/drawingml/2006/main" xmlns:r="http://schemas.openxmlformats.org/officeDocument/2006/relationships" xmlns:p="http://schemas.openxmlformats.org/presentationml/2006/main">
+  <p:cSld>
     <p:spTree>
       <p:nvGrpSpPr>
         <p:cNvPr id="1" name=""/>
@@ -3937,6 +5101,108 @@
     <p:extLst>
       <p:ext uri="{BB962C8B-B14F-4D97-AF65-F5344CB8AC3E}">
         <p14:creationId xmlns:p14="http://schemas.microsoft.com/office/powerpoint/2010/main" val="3709568877"/>
+      </p:ext>
+    </p:extLst>
+  </p:cSld>
+  <p:clrMapOvr>
+    <a:masterClrMapping/>
+  </p:clrMapOvr>
+</p:sld>
+</file>
+
+<file path=ppt/slides/slide6.xml><?xml version="1.0" encoding="utf-8"?>
+<p:sld xmlns:a="http://schemas.openxmlformats.org/drawingml/2006/main" xmlns:r="http://schemas.openxmlformats.org/officeDocument/2006/relationships" xmlns:p="http://schemas.openxmlformats.org/presentationml/2006/main">
+  <p:cSld>
+    <p:spTree>
+      <p:nvGrpSpPr>
+        <p:cNvPr id="1" name="">
+          <a:extLst>
+            <a:ext uri="{FF2B5EF4-FFF2-40B4-BE49-F238E27FC236}">
+              <a16:creationId xmlns:a16="http://schemas.microsoft.com/office/drawing/2014/main" id="{99CA3554-A148-65C0-5AC0-2B8316FF81F0}"/>
+            </a:ext>
+          </a:extLst>
+        </p:cNvPr>
+        <p:cNvGrpSpPr/>
+        <p:nvPr/>
+      </p:nvGrpSpPr>
+      <p:grpSpPr>
+        <a:xfrm>
+          <a:off x="0" y="0"/>
+          <a:ext cx="0" cy="0"/>
+          <a:chOff x="0" y="0"/>
+          <a:chExt cx="0" cy="0"/>
+        </a:xfrm>
+      </p:grpSpPr>
+      <p:sp>
+        <p:nvSpPr>
+          <p:cNvPr id="5" name="QuadreDeText 4">
+            <a:extLst>
+              <a:ext uri="{FF2B5EF4-FFF2-40B4-BE49-F238E27FC236}">
+                <a16:creationId xmlns:a16="http://schemas.microsoft.com/office/drawing/2014/main" id="{F8CE5B71-4ADC-2435-7C0D-FD26B89D5C67}"/>
+              </a:ext>
+            </a:extLst>
+          </p:cNvPr>
+          <p:cNvSpPr txBox="1"/>
+          <p:nvPr/>
+        </p:nvSpPr>
+        <p:spPr>
+          <a:xfrm>
+            <a:off x="443347" y="267037"/>
+            <a:ext cx="11205556" cy="677108"/>
+          </a:xfrm>
+          <a:prstGeom prst="rect">
+            <a:avLst/>
+          </a:prstGeom>
+          <a:noFill/>
+        </p:spPr>
+        <p:txBody>
+          <a:bodyPr wrap="square">
+            <a:spAutoFit/>
+          </a:bodyPr>
+          <a:lstStyle/>
+          <a:p>
+            <a:pPr algn="ctr"/>
+            <a:r>
+              <a:rPr lang="es-ES" sz="2400" b="1" dirty="0">
+                <a:solidFill>
+                  <a:srgbClr val="569CD6"/>
+                </a:solidFill>
+                <a:latin typeface="Consolas" panose="020B0609020204030204" pitchFamily="49" charset="0"/>
+              </a:rPr>
+              <a:t>5</a:t>
+            </a:r>
+            <a:r>
+              <a:rPr lang="es-ES" sz="2400" b="1" dirty="0">
+                <a:solidFill>
+                  <a:srgbClr val="569CD6"/>
+                </a:solidFill>
+                <a:effectLst/>
+                <a:latin typeface="Consolas" panose="020B0609020204030204" pitchFamily="49" charset="0"/>
+              </a:rPr>
+              <a:t>. CREACIÓN DE CATEGORIAS DE RIESGO</a:t>
+            </a:r>
+          </a:p>
+          <a:p>
+            <a:pPr algn="ctr"/>
+            <a:r>
+              <a:rPr lang="es-ES" sz="1400" dirty="0">
+                <a:solidFill>
+                  <a:schemeClr val="tx2">
+                    <a:lumMod val="50000"/>
+                    <a:lumOff val="50000"/>
+                  </a:schemeClr>
+                </a:solidFill>
+                <a:latin typeface="Consolas" panose="020B0609020204030204" pitchFamily="49" charset="0"/>
+              </a:rPr>
+              <a:t>¿Como debemos ajustar nuestras políticas de crédito para mitigar este riesgo?</a:t>
+            </a:r>
+          </a:p>
+        </p:txBody>
+      </p:sp>
+    </p:spTree>
+    <p:extLst>
+      <p:ext uri="{BB962C8B-B14F-4D97-AF65-F5344CB8AC3E}">
+        <p14:creationId xmlns:p14="http://schemas.microsoft.com/office/powerpoint/2010/main" val="1558048772"/>
       </p:ext>
     </p:extLst>
   </p:cSld>
